--- a/From Imperative to Reactive.pptx
+++ b/From Imperative to Reactive.pptx
@@ -1129,7 +1129,7 @@
           <a:p>
             <a:fld id="{9FAD0EF2-C8D0-4B8C-A956-D1C0479E0667}" type="datetimeFigureOut">
               <a:rPr lang="en-US" smtClean="0"/>
-              <a:t>11/26/19</a:t>
+              <a:t>11/27/19</a:t>
             </a:fld>
             <a:endParaRPr lang="en-US"/>
           </a:p>
@@ -1295,7 +1295,7 @@
           <a:p>
             <a:fld id="{07FFCA88-3532-4672-AC16-195F8C173D0D}" type="datetimeFigureOut">
               <a:rPr lang="en-US" smtClean="0"/>
-              <a:t>11/26/19</a:t>
+              <a:t>11/27/19</a:t>
             </a:fld>
             <a:endParaRPr lang="en-US"/>
           </a:p>
@@ -5932,7 +5932,7 @@
           <a:graphicData uri="http://schemas.openxmlformats.org/presentationml/2006/ole">
             <mc:AlternateContent xmlns:mc="http://schemas.openxmlformats.org/markup-compatibility/2006">
               <mc:Choice xmlns:v="urn:schemas-microsoft-com:vml" Requires="v">
-                <p:oleObj spid="_x0000_s2089" name="think-cell Folie" r:id="rId4" imgW="473" imgH="476" progId="TCLayout.ActiveDocument.1">
+                <p:oleObj spid="_x0000_s2104" name="think-cell Folie" r:id="rId4" imgW="473" imgH="476" progId="TCLayout.ActiveDocument.1">
                   <p:embed/>
                 </p:oleObj>
               </mc:Choice>
@@ -17911,7 +17911,7 @@
           <a:graphicData uri="http://schemas.openxmlformats.org/presentationml/2006/ole">
             <mc:AlternateContent xmlns:mc="http://schemas.openxmlformats.org/markup-compatibility/2006">
               <mc:Choice xmlns:v="urn:schemas-microsoft-com:vml" Requires="v">
-                <p:oleObj spid="_x0000_s3113" name="think-cell Folie" r:id="rId4" imgW="282" imgH="282" progId="TCLayout.ActiveDocument.1">
+                <p:oleObj spid="_x0000_s3128" name="think-cell Folie" r:id="rId4" imgW="282" imgH="282" progId="TCLayout.ActiveDocument.1">
                   <p:embed/>
                 </p:oleObj>
               </mc:Choice>
@@ -18753,7 +18753,7 @@
           <a:graphicData uri="http://schemas.openxmlformats.org/presentationml/2006/ole">
             <mc:AlternateContent xmlns:mc="http://schemas.openxmlformats.org/markup-compatibility/2006">
               <mc:Choice xmlns:v="urn:schemas-microsoft-com:vml" Requires="v">
-                <p:oleObj spid="_x0000_s4137" name="think-cell Folie" r:id="rId4" imgW="473" imgH="476" progId="TCLayout.ActiveDocument.1">
+                <p:oleObj spid="_x0000_s4152" name="think-cell Folie" r:id="rId4" imgW="473" imgH="476" progId="TCLayout.ActiveDocument.1">
                   <p:embed/>
                 </p:oleObj>
               </mc:Choice>
@@ -25925,14 +25925,14 @@
           </a:ln>
           <a:extLst>
             <a:ext uri="{909E8E84-426E-40dd-AFC4-6F175D3DCCD1}">
-              <a14:hiddenFill xmlns:a14="http://schemas.microsoft.com/office/drawing/2010/main" xmlns="">
+              <a14:hiddenFill xmlns="" xmlns:a14="http://schemas.microsoft.com/office/drawing/2010/main">
                 <a:solidFill>
                   <a:srgbClr val="FFFFFF"/>
                 </a:solidFill>
               </a14:hiddenFill>
             </a:ext>
             <a:ext uri="{91240B29-F687-4f45-9708-019B960494DF}">
-              <a14:hiddenLine xmlns:a14="http://schemas.microsoft.com/office/drawing/2010/main" xmlns="" w="9525">
+              <a14:hiddenLine xmlns="" xmlns:a14="http://schemas.microsoft.com/office/drawing/2010/main" w="9525">
                 <a:solidFill>
                   <a:srgbClr val="000000"/>
                 </a:solidFill>
@@ -26374,14 +26374,14 @@
           </a:ln>
           <a:extLst>
             <a:ext uri="{909E8E84-426E-40dd-AFC4-6F175D3DCCD1}">
-              <a14:hiddenFill xmlns:a14="http://schemas.microsoft.com/office/drawing/2010/main" xmlns="">
+              <a14:hiddenFill xmlns="" xmlns:a14="http://schemas.microsoft.com/office/drawing/2010/main">
                 <a:solidFill>
                   <a:srgbClr val="FFFFFF"/>
                 </a:solidFill>
               </a14:hiddenFill>
             </a:ext>
             <a:ext uri="{91240B29-F687-4f45-9708-019B960494DF}">
-              <a14:hiddenLine xmlns:a14="http://schemas.microsoft.com/office/drawing/2010/main" xmlns="" w="9525">
+              <a14:hiddenLine xmlns="" xmlns:a14="http://schemas.microsoft.com/office/drawing/2010/main" w="9525">
                 <a:solidFill>
                   <a:srgbClr val="000000"/>
                 </a:solidFill>
@@ -26876,14 +26876,14 @@
           </a:ln>
           <a:extLst>
             <a:ext uri="{909E8E84-426E-40dd-AFC4-6F175D3DCCD1}">
-              <a14:hiddenFill xmlns:a14="http://schemas.microsoft.com/office/drawing/2010/main" xmlns="">
+              <a14:hiddenFill xmlns="" xmlns:a14="http://schemas.microsoft.com/office/drawing/2010/main">
                 <a:solidFill>
                   <a:srgbClr val="FFFFFF"/>
                 </a:solidFill>
               </a14:hiddenFill>
             </a:ext>
             <a:ext uri="{91240B29-F687-4f45-9708-019B960494DF}">
-              <a14:hiddenLine xmlns:a14="http://schemas.microsoft.com/office/drawing/2010/main" xmlns="" w="9525">
+              <a14:hiddenLine xmlns="" xmlns:a14="http://schemas.microsoft.com/office/drawing/2010/main" w="9525">
                 <a:solidFill>
                   <a:srgbClr val="000000"/>
                 </a:solidFill>
@@ -27326,14 +27326,14 @@
           </a:ln>
           <a:extLst>
             <a:ext uri="{909E8E84-426E-40dd-AFC4-6F175D3DCCD1}">
-              <a14:hiddenFill xmlns:a14="http://schemas.microsoft.com/office/drawing/2010/main" xmlns="">
+              <a14:hiddenFill xmlns="" xmlns:a14="http://schemas.microsoft.com/office/drawing/2010/main">
                 <a:solidFill>
                   <a:srgbClr val="FFFFFF"/>
                 </a:solidFill>
               </a14:hiddenFill>
             </a:ext>
             <a:ext uri="{91240B29-F687-4f45-9708-019B960494DF}">
-              <a14:hiddenLine xmlns:a14="http://schemas.microsoft.com/office/drawing/2010/main" xmlns="" w="9525">
+              <a14:hiddenLine xmlns="" xmlns:a14="http://schemas.microsoft.com/office/drawing/2010/main" w="9525">
                 <a:solidFill>
                   <a:srgbClr val="000000"/>
                 </a:solidFill>
@@ -28051,7 +28051,7 @@
           <a:graphicData uri="http://schemas.openxmlformats.org/presentationml/2006/ole">
             <mc:AlternateContent xmlns:mc="http://schemas.openxmlformats.org/markup-compatibility/2006">
               <mc:Choice xmlns:v="urn:schemas-microsoft-com:vml" Requires="v">
-                <p:oleObj spid="_x0000_s1065" name="think-cell Folie" r:id="rId39" imgW="473" imgH="476" progId="TCLayout.ActiveDocument.1">
+                <p:oleObj spid="_x0000_s1080" name="think-cell Folie" r:id="rId39" imgW="473" imgH="476" progId="TCLayout.ActiveDocument.1">
                   <p:embed/>
                 </p:oleObj>
               </mc:Choice>
@@ -39016,15 +39016,7 @@
           <a:p>
             <a:r>
               <a:rPr lang="de-DE" dirty="0"/>
-              <a:t>Open-Source Anwendung-Framework und Inversion </a:t>
-            </a:r>
-            <a:r>
-              <a:rPr lang="de-DE" dirty="0" err="1"/>
-              <a:t>of</a:t>
-            </a:r>
-            <a:r>
-              <a:rPr lang="de-DE" dirty="0"/>
-              <a:t> Control Container</a:t>
+              <a:t>Open-Source Anwendungs-Framework</a:t>
             </a:r>
           </a:p>
           <a:p>
@@ -39116,7 +39108,7 @@
             </a:r>
             <a:r>
               <a:rPr lang="de-DE" dirty="0"/>
-              <a:t>...</a:t>
+              <a:t>, …</a:t>
             </a:r>
           </a:p>
           <a:p>
@@ -39145,7 +39137,7 @@
             </a:r>
             <a:r>
               <a:rPr lang="de-DE" dirty="0"/>
-              <a:t>…</a:t>
+              <a:t>, …</a:t>
             </a:r>
           </a:p>
           <a:p>
@@ -39158,15 +39150,7 @@
             </a:r>
             <a:r>
               <a:rPr lang="de-DE" dirty="0"/>
-              <a:t>: Transactions, DAO Support, JDBC, ORM, </a:t>
-            </a:r>
-            <a:r>
-              <a:rPr lang="de-DE" dirty="0" err="1"/>
-              <a:t>Marshalling</a:t>
-            </a:r>
-            <a:r>
-              <a:rPr lang="de-DE" dirty="0"/>
-              <a:t> XML.</a:t>
+              <a:t>: Transactions, DAO Support, JDBC, ...</a:t>
             </a:r>
           </a:p>
           <a:p>
@@ -39201,7 +39185,7 @@
             </a:r>
             <a:r>
               <a:rPr lang="de-DE" dirty="0"/>
-              <a:t>Web Frameworks…</a:t>
+              <a:t>Web Framework</a:t>
             </a:r>
           </a:p>
           <a:p>
@@ -39230,7 +39214,7 @@
             </a:r>
             <a:r>
               <a:rPr lang="de-DE" dirty="0"/>
-              <a:t>, Cache…</a:t>
+              <a:t>, Cache, …</a:t>
             </a:r>
           </a:p>
           <a:p>
@@ -39243,7 +39227,7 @@
             </a:r>
             <a:r>
               <a:rPr lang="de-DE" dirty="0"/>
-              <a:t>: Kotlin, Groovy...</a:t>
+              <a:t>: Java, Kotlin, Groovy...</a:t>
             </a:r>
           </a:p>
         </p:txBody>
@@ -39543,10 +39527,13 @@
           <a:p>
             <a:r>
               <a:rPr lang="de-DE" dirty="0"/>
-              <a:t>Asynchrone Stream Verarbeitung mit non-blocking backpressure.</a:t>
-            </a:r>
-          </a:p>
-          <a:p>
+              <a:t>Asynchrone Stream Verarbeitung</a:t>
+            </a:r>
+          </a:p>
+          <a:p>
+            <a:pPr marL="0" indent="0">
+              <a:buNone/>
+            </a:pPr>
             <a:endParaRPr lang="de-DE" dirty="0"/>
           </a:p>
           <a:p>
@@ -39556,6 +39543,17 @@
             </a:r>
           </a:p>
           <a:p>
+            <a:pPr lvl="1"/>
+            <a:r>
+              <a:rPr lang="de-DE" dirty="0" err="1"/>
+              <a:t>Published</a:t>
+            </a:r>
+            <a:r>
+              <a:rPr lang="de-DE" dirty="0"/>
+              <a:t> Daten auf Anfrage eines oder mehrerer Subscriber </a:t>
+            </a:r>
+          </a:p>
+          <a:p>
             <a:endParaRPr lang="de-DE" dirty="0"/>
           </a:p>
           <a:p>
@@ -39581,17 +39579,42 @@
             </a:r>
           </a:p>
           <a:p>
+            <a:pPr marL="176213" lvl="1" indent="0">
+              <a:buNone/>
+            </a:pPr>
+            <a:endParaRPr lang="de-DE" dirty="0"/>
+          </a:p>
+          <a:p>
+            <a:r>
+              <a:rPr lang="de-DE" dirty="0" err="1"/>
+              <a:t>Processor</a:t>
+            </a:r>
+            <a:r>
+              <a:rPr lang="de-DE" dirty="0"/>
+              <a:t>: Fungiert als Subscriber und Publisher, der die Daten verarbeitet und weiterreicht</a:t>
+            </a:r>
+          </a:p>
+          <a:p>
+            <a:endParaRPr lang="de-DE" dirty="0"/>
+          </a:p>
+          <a:p>
+            <a:r>
+              <a:rPr lang="de-DE" dirty="0"/>
+              <a:t>Push-Model</a:t>
+            </a:r>
+          </a:p>
+          <a:p>
             <a:pPr lvl="1"/>
             <a:r>
               <a:rPr lang="de-DE" dirty="0"/>
-              <a:t>Imperativ: Code wird ausgeführt und “arbeitet“.</a:t>
+              <a:t>Events/Daten werden an die Subscriber gepusht</a:t>
             </a:r>
           </a:p>
           <a:p>
             <a:pPr lvl="1"/>
             <a:r>
               <a:rPr lang="de-DE" dirty="0"/>
-              <a:t>Reactive: Komponenten machen sich bereit und warten auf das Signal zu “arbeiten“. (Beschreibung eines Datenflusses)</a:t>
+              <a:t>Subscriber können ad hoc hinzu- oder weggenommen werden</a:t>
             </a:r>
           </a:p>
         </p:txBody>
@@ -40941,6 +40964,12 @@
 </file>
 
 <file path=customXml/item1.xml><?xml version="1.0" encoding="utf-8"?>
+<p:properties xmlns:p="http://schemas.microsoft.com/office/2006/metadata/properties" xmlns:xsi="http://www.w3.org/2001/XMLSchema-instance" xmlns:pc="http://schemas.microsoft.com/office/infopath/2007/PartnerControls">
+  <documentManagement/>
+</p:properties>
+</file>
+
+<file path=customXml/item2.xml><?xml version="1.0" encoding="utf-8"?>
 <ct:contentTypeSchema xmlns:ct="http://schemas.microsoft.com/office/2006/metadata/contentType" xmlns:ma="http://schemas.microsoft.com/office/2006/metadata/properties/metaAttributes" ct:_="" ma:_="" ma:contentTypeName="Dokument" ma:contentTypeID="0x010100663F5C01381B56409B79CCBBF1CD6638" ma:contentTypeVersion="10" ma:contentTypeDescription="Ein neues Dokument erstellen." ma:contentTypeScope="" ma:versionID="d8f72a7c93fa356cdb51e80a287de49a">
   <xsd:schema xmlns:xsd="http://www.w3.org/2001/XMLSchema" xmlns:xs="http://www.w3.org/2001/XMLSchema" xmlns:p="http://schemas.microsoft.com/office/2006/metadata/properties" xmlns:ns2="ab24cf61-d0ba-4a2f-b997-e69195b56576" xmlns:ns3="82bf4a60-6352-403d-8037-4287a1db143f" targetNamespace="http://schemas.microsoft.com/office/2006/metadata/properties" ma:root="true" ma:fieldsID="e11b9cf07abfe15f8bd78b3dbff61525" ns2:_="" ns3:_="">
     <xsd:import namespace="ab24cf61-d0ba-4a2f-b997-e69195b56576"/>
@@ -41143,12 +41172,6 @@
 </ct:contentTypeSchema>
 </file>
 
-<file path=customXml/item2.xml><?xml version="1.0" encoding="utf-8"?>
-<p:properties xmlns:p="http://schemas.microsoft.com/office/2006/metadata/properties" xmlns:xsi="http://www.w3.org/2001/XMLSchema-instance" xmlns:pc="http://schemas.microsoft.com/office/infopath/2007/PartnerControls">
-  <documentManagement/>
-</p:properties>
-</file>
-
 <file path=customXml/item3.xml><?xml version="1.0" encoding="utf-8"?>
 <?mso-contentType ?>
 <FormTemplates xmlns="http://schemas.microsoft.com/sharepoint/v3/contenttype/forms">
@@ -41159,6 +41182,23 @@
 </file>
 
 <file path=customXml/itemProps1.xml><?xml version="1.0" encoding="utf-8"?>
+<ds:datastoreItem xmlns:ds="http://schemas.openxmlformats.org/officeDocument/2006/customXml" ds:itemID="{BE9A2290-2277-46DE-91B4-F5B969434F40}">
+  <ds:schemaRefs>
+    <ds:schemaRef ds:uri="http://schemas.microsoft.com/office/2006/metadata/properties"/>
+    <ds:schemaRef ds:uri="http://purl.org/dc/elements/1.1/"/>
+    <ds:schemaRef ds:uri="http://purl.org/dc/dcmitype/"/>
+    <ds:schemaRef ds:uri="ab24cf61-d0ba-4a2f-b997-e69195b56576"/>
+    <ds:schemaRef ds:uri="http://purl.org/dc/terms/"/>
+    <ds:schemaRef ds:uri="http://schemas.microsoft.com/office/2006/documentManagement/types"/>
+    <ds:schemaRef ds:uri="http://schemas.openxmlformats.org/package/2006/metadata/core-properties"/>
+    <ds:schemaRef ds:uri="http://schemas.microsoft.com/office/infopath/2007/PartnerControls"/>
+    <ds:schemaRef ds:uri="82bf4a60-6352-403d-8037-4287a1db143f"/>
+    <ds:schemaRef ds:uri="http://www.w3.org/XML/1998/namespace"/>
+  </ds:schemaRefs>
+</ds:datastoreItem>
+</file>
+
+<file path=customXml/itemProps2.xml><?xml version="1.0" encoding="utf-8"?>
 <ds:datastoreItem xmlns:ds="http://schemas.openxmlformats.org/officeDocument/2006/customXml" ds:itemID="{040CB00E-ADC4-4A15-9544-F291D30C9602}">
   <ds:schemaRefs>
     <ds:schemaRef ds:uri="http://schemas.microsoft.com/office/2006/metadata/contentType"/>
@@ -41177,23 +41217,6 @@
 </ds:datastoreItem>
 </file>
 
-<file path=customXml/itemProps2.xml><?xml version="1.0" encoding="utf-8"?>
-<ds:datastoreItem xmlns:ds="http://schemas.openxmlformats.org/officeDocument/2006/customXml" ds:itemID="{BE9A2290-2277-46DE-91B4-F5B969434F40}">
-  <ds:schemaRefs>
-    <ds:schemaRef ds:uri="http://schemas.microsoft.com/office/2006/metadata/properties"/>
-    <ds:schemaRef ds:uri="http://purl.org/dc/elements/1.1/"/>
-    <ds:schemaRef ds:uri="http://purl.org/dc/dcmitype/"/>
-    <ds:schemaRef ds:uri="ab24cf61-d0ba-4a2f-b997-e69195b56576"/>
-    <ds:schemaRef ds:uri="http://purl.org/dc/terms/"/>
-    <ds:schemaRef ds:uri="http://schemas.microsoft.com/office/2006/documentManagement/types"/>
-    <ds:schemaRef ds:uri="http://schemas.openxmlformats.org/package/2006/metadata/core-properties"/>
-    <ds:schemaRef ds:uri="http://schemas.microsoft.com/office/infopath/2007/PartnerControls"/>
-    <ds:schemaRef ds:uri="82bf4a60-6352-403d-8037-4287a1db143f"/>
-    <ds:schemaRef ds:uri="http://www.w3.org/XML/1998/namespace"/>
-  </ds:schemaRefs>
-</ds:datastoreItem>
-</file>
-
 <file path=customXml/itemProps3.xml><?xml version="1.0" encoding="utf-8"?>
 <ds:datastoreItem xmlns:ds="http://schemas.openxmlformats.org/officeDocument/2006/customXml" ds:itemID="{82FC4B47-0B44-4815-9C32-4BB899C62226}">
   <ds:schemaRefs>
